--- a/дизайн/2.pptx
+++ b/дизайн/2.pptx
@@ -7,10 +7,8 @@
   <p:sldIdLst>
     <p:sldId id="256" r:id="rId2"/>
     <p:sldId id="257" r:id="rId3"/>
-    <p:sldId id="263" r:id="rId4"/>
-    <p:sldId id="264" r:id="rId5"/>
-    <p:sldId id="265" r:id="rId6"/>
-    <p:sldId id="266" r:id="rId7"/>
+    <p:sldId id="265" r:id="rId4"/>
+    <p:sldId id="266" r:id="rId5"/>
   </p:sldIdLst>
   <p:sldSz cx="12192000" cy="6858000"/>
   <p:notesSz cx="6858000" cy="9144000"/>
@@ -619,7 +617,7 @@
           <a:p>
             <a:fld id="{B90DFD24-2ACC-49DB-8D87-02B6FEA69FAB}" type="datetimeFigureOut">
               <a:rPr lang="ru-RU" smtClean="0"/>
-              <a:t>09.12.2020</a:t>
+              <a:t>15.12.2020</a:t>
             </a:fld>
             <a:endParaRPr lang="ru-RU"/>
           </a:p>
@@ -915,7 +913,7 @@
           <a:p>
             <a:fld id="{B90DFD24-2ACC-49DB-8D87-02B6FEA69FAB}" type="datetimeFigureOut">
               <a:rPr lang="ru-RU" smtClean="0"/>
-              <a:t>09.12.2020</a:t>
+              <a:t>15.12.2020</a:t>
             </a:fld>
             <a:endParaRPr lang="ru-RU"/>
           </a:p>
@@ -1163,7 +1161,7 @@
           <a:p>
             <a:fld id="{B90DFD24-2ACC-49DB-8D87-02B6FEA69FAB}" type="datetimeFigureOut">
               <a:rPr lang="ru-RU" smtClean="0"/>
-              <a:t>09.12.2020</a:t>
+              <a:t>15.12.2020</a:t>
             </a:fld>
             <a:endParaRPr lang="ru-RU"/>
           </a:p>
@@ -1703,7 +1701,7 @@
           <a:p>
             <a:fld id="{B90DFD24-2ACC-49DB-8D87-02B6FEA69FAB}" type="datetimeFigureOut">
               <a:rPr lang="ru-RU" smtClean="0"/>
-              <a:t>09.12.2020</a:t>
+              <a:t>15.12.2020</a:t>
             </a:fld>
             <a:endParaRPr lang="ru-RU"/>
           </a:p>
@@ -1951,7 +1949,7 @@
           <a:p>
             <a:fld id="{B90DFD24-2ACC-49DB-8D87-02B6FEA69FAB}" type="datetimeFigureOut">
               <a:rPr lang="ru-RU" smtClean="0"/>
-              <a:t>09.12.2020</a:t>
+              <a:t>15.12.2020</a:t>
             </a:fld>
             <a:endParaRPr lang="ru-RU"/>
           </a:p>
@@ -2483,7 +2481,7 @@
           <a:p>
             <a:fld id="{B90DFD24-2ACC-49DB-8D87-02B6FEA69FAB}" type="datetimeFigureOut">
               <a:rPr lang="ru-RU" smtClean="0"/>
-              <a:t>09.12.2020</a:t>
+              <a:t>15.12.2020</a:t>
             </a:fld>
             <a:endParaRPr lang="ru-RU"/>
           </a:p>
@@ -2780,7 +2778,7 @@
           <a:p>
             <a:fld id="{B90DFD24-2ACC-49DB-8D87-02B6FEA69FAB}" type="datetimeFigureOut">
               <a:rPr lang="ru-RU" smtClean="0"/>
-              <a:t>09.12.2020</a:t>
+              <a:t>15.12.2020</a:t>
             </a:fld>
             <a:endParaRPr lang="ru-RU"/>
           </a:p>
@@ -2954,7 +2952,7 @@
           <a:p>
             <a:fld id="{B90DFD24-2ACC-49DB-8D87-02B6FEA69FAB}" type="datetimeFigureOut">
               <a:rPr lang="ru-RU" smtClean="0"/>
-              <a:t>09.12.2020</a:t>
+              <a:t>15.12.2020</a:t>
             </a:fld>
             <a:endParaRPr lang="ru-RU"/>
           </a:p>
@@ -3134,7 +3132,7 @@
           <a:p>
             <a:fld id="{B90DFD24-2ACC-49DB-8D87-02B6FEA69FAB}" type="datetimeFigureOut">
               <a:rPr lang="ru-RU" smtClean="0"/>
-              <a:t>09.12.2020</a:t>
+              <a:t>15.12.2020</a:t>
             </a:fld>
             <a:endParaRPr lang="ru-RU"/>
           </a:p>
@@ -3304,7 +3302,7 @@
           <a:p>
             <a:fld id="{B90DFD24-2ACC-49DB-8D87-02B6FEA69FAB}" type="datetimeFigureOut">
               <a:rPr lang="ru-RU" smtClean="0"/>
-              <a:t>09.12.2020</a:t>
+              <a:t>15.12.2020</a:t>
             </a:fld>
             <a:endParaRPr lang="ru-RU"/>
           </a:p>
@@ -3555,7 +3553,7 @@
           <a:p>
             <a:fld id="{B90DFD24-2ACC-49DB-8D87-02B6FEA69FAB}" type="datetimeFigureOut">
               <a:rPr lang="ru-RU" smtClean="0"/>
-              <a:t>09.12.2020</a:t>
+              <a:t>15.12.2020</a:t>
             </a:fld>
             <a:endParaRPr lang="ru-RU"/>
           </a:p>
@@ -3852,7 +3850,7 @@
           <a:p>
             <a:fld id="{B90DFD24-2ACC-49DB-8D87-02B6FEA69FAB}" type="datetimeFigureOut">
               <a:rPr lang="ru-RU" smtClean="0"/>
-              <a:t>09.12.2020</a:t>
+              <a:t>15.12.2020</a:t>
             </a:fld>
             <a:endParaRPr lang="ru-RU"/>
           </a:p>
@@ -4294,7 +4292,7 @@
           <a:p>
             <a:fld id="{B90DFD24-2ACC-49DB-8D87-02B6FEA69FAB}" type="datetimeFigureOut">
               <a:rPr lang="ru-RU" smtClean="0"/>
-              <a:t>09.12.2020</a:t>
+              <a:t>15.12.2020</a:t>
             </a:fld>
             <a:endParaRPr lang="ru-RU"/>
           </a:p>
@@ -4412,7 +4410,7 @@
           <a:p>
             <a:fld id="{B90DFD24-2ACC-49DB-8D87-02B6FEA69FAB}" type="datetimeFigureOut">
               <a:rPr lang="ru-RU" smtClean="0"/>
-              <a:t>09.12.2020</a:t>
+              <a:t>15.12.2020</a:t>
             </a:fld>
             <a:endParaRPr lang="ru-RU"/>
           </a:p>
@@ -4507,7 +4505,7 @@
           <a:p>
             <a:fld id="{B90DFD24-2ACC-49DB-8D87-02B6FEA69FAB}" type="datetimeFigureOut">
               <a:rPr lang="ru-RU" smtClean="0"/>
-              <a:t>09.12.2020</a:t>
+              <a:t>15.12.2020</a:t>
             </a:fld>
             <a:endParaRPr lang="ru-RU"/>
           </a:p>
@@ -4790,7 +4788,7 @@
           <a:p>
             <a:fld id="{B90DFD24-2ACC-49DB-8D87-02B6FEA69FAB}" type="datetimeFigureOut">
               <a:rPr lang="ru-RU" smtClean="0"/>
-              <a:t>09.12.2020</a:t>
+              <a:t>15.12.2020</a:t>
             </a:fld>
             <a:endParaRPr lang="ru-RU"/>
           </a:p>
@@ -5081,7 +5079,7 @@
           <a:p>
             <a:fld id="{B90DFD24-2ACC-49DB-8D87-02B6FEA69FAB}" type="datetimeFigureOut">
               <a:rPr lang="ru-RU" smtClean="0"/>
-              <a:t>09.12.2020</a:t>
+              <a:t>15.12.2020</a:t>
             </a:fld>
             <a:endParaRPr lang="ru-RU"/>
           </a:p>
@@ -5611,7 +5609,7 @@
           <a:p>
             <a:fld id="{B90DFD24-2ACC-49DB-8D87-02B6FEA69FAB}" type="datetimeFigureOut">
               <a:rPr lang="ru-RU" smtClean="0"/>
-              <a:t>09.12.2020</a:t>
+              <a:t>15.12.2020</a:t>
             </a:fld>
             <a:endParaRPr lang="ru-RU"/>
           </a:p>
@@ -6152,18 +6150,19 @@
             <p:ph type="ctrTitle"/>
           </p:nvPr>
         </p:nvSpPr>
-        <p:spPr/>
+        <p:spPr>
+          <a:xfrm>
+            <a:off x="1747777" y="1380068"/>
+            <a:ext cx="9755246" cy="2616199"/>
+          </a:xfrm>
+        </p:spPr>
         <p:txBody>
           <a:bodyPr/>
           <a:lstStyle/>
           <a:p>
             <a:r>
-              <a:rPr lang="ru-RU" dirty="0" err="1" smtClean="0"/>
-              <a:t>Лр</a:t>
-            </a:r>
-            <a:r>
               <a:rPr lang="ru-RU" dirty="0" smtClean="0"/>
-              <a:t> 2</a:t>
+              <a:t>Лабораторная работа №2</a:t>
             </a:r>
             <a:endParaRPr lang="ru-RU" dirty="0"/>
           </a:p>
@@ -6184,7 +6183,17 @@
           <a:bodyPr/>
           <a:lstStyle/>
           <a:p>
-            <a:endParaRPr lang="ru-RU"/>
+            <a:r>
+              <a:rPr lang="ru-RU" dirty="0" smtClean="0"/>
+              <a:t>Выполнил:</a:t>
+            </a:r>
+          </a:p>
+          <a:p>
+            <a:r>
+              <a:rPr lang="ru-RU" dirty="0" smtClean="0"/>
+              <a:t>Гусев В.Я.</a:t>
+            </a:r>
+            <a:endParaRPr lang="ru-RU" dirty="0"/>
           </a:p>
         </p:txBody>
       </p:sp>
@@ -6310,8 +6319,10 @@
       </p:sp>
       <p:pic>
         <p:nvPicPr>
-          <p:cNvPr id="5" name="Рисунок 4"/>
-          <p:cNvPicPr/>
+          <p:cNvPr id="4" name="Рисунок 3"/>
+          <p:cNvPicPr>
+            <a:picLocks noChangeAspect="1"/>
+          </p:cNvPicPr>
           <p:nvPr/>
         </p:nvPicPr>
         <p:blipFill>
@@ -6322,8 +6333,8 @@
         </p:blipFill>
         <p:spPr>
           <a:xfrm>
-            <a:off x="1757037" y="985884"/>
-            <a:ext cx="8833798" cy="6003772"/>
+            <a:off x="1920303" y="836140"/>
+            <a:ext cx="8435502" cy="5583447"/>
           </a:xfrm>
           <a:prstGeom prst="rect">
             <a:avLst/>
@@ -6381,290 +6392,6 @@
           <a:lstStyle/>
           <a:p>
             <a:r>
-              <a:rPr lang="ru-RU" smtClean="0"/>
-              <a:t>Задание 1</a:t>
-            </a:r>
-            <a:endParaRPr lang="ru-RU" dirty="0"/>
-          </a:p>
-        </p:txBody>
-      </p:sp>
-      <p:sp>
-        <p:nvSpPr>
-          <p:cNvPr id="3" name="Прямоугольник 2"/>
-          <p:cNvSpPr/>
-          <p:nvPr/>
-        </p:nvSpPr>
-        <p:spPr>
-          <a:xfrm>
-            <a:off x="223391" y="582225"/>
-            <a:ext cx="11829327" cy="507831"/>
-          </a:xfrm>
-          <a:prstGeom prst="rect">
-            <a:avLst/>
-          </a:prstGeom>
-        </p:spPr>
-        <p:txBody>
-          <a:bodyPr wrap="square">
-            <a:spAutoFit/>
-          </a:bodyPr>
-          <a:lstStyle/>
-          <a:p>
-            <a:pPr lvl="0" algn="just">
-              <a:lnSpc>
-                <a:spcPct val="150000"/>
-              </a:lnSpc>
-              <a:spcAft>
-                <a:spcPts val="800"/>
-              </a:spcAft>
-            </a:pPr>
-            <a:r>
-              <a:rPr lang="ru-RU" dirty="0">
-                <a:latin typeface="Times New Roman" panose="02020603050405020304" pitchFamily="18" charset="0"/>
-                <a:ea typeface="Calibri" panose="020F0502020204030204" pitchFamily="34" charset="0"/>
-                <a:cs typeface="Times New Roman" panose="02020603050405020304" pitchFamily="18" charset="0"/>
-              </a:rPr>
-              <a:t>Используя рассмотренное программное обеспечение создать копию дизайна любой понравившейся </a:t>
-            </a:r>
-            <a:r>
-              <a:rPr lang="ru-RU" dirty="0" err="1">
-                <a:latin typeface="Times New Roman" panose="02020603050405020304" pitchFamily="18" charset="0"/>
-                <a:ea typeface="Calibri" panose="020F0502020204030204" pitchFamily="34" charset="0"/>
-                <a:cs typeface="Times New Roman" panose="02020603050405020304" pitchFamily="18" charset="0"/>
-              </a:rPr>
-              <a:t>web</a:t>
-            </a:r>
-            <a:r>
-              <a:rPr lang="ru-RU" dirty="0">
-                <a:latin typeface="Times New Roman" panose="02020603050405020304" pitchFamily="18" charset="0"/>
-                <a:ea typeface="Calibri" panose="020F0502020204030204" pitchFamily="34" charset="0"/>
-                <a:cs typeface="Times New Roman" panose="02020603050405020304" pitchFamily="18" charset="0"/>
-              </a:rPr>
-              <a:t>-страницы.</a:t>
-            </a:r>
-            <a:endParaRPr lang="ru-RU" sz="1400" dirty="0">
-              <a:effectLst/>
-              <a:latin typeface="Calibri" panose="020F0502020204030204" pitchFamily="34" charset="0"/>
-              <a:ea typeface="Calibri" panose="020F0502020204030204" pitchFamily="34" charset="0"/>
-              <a:cs typeface="Times New Roman" panose="02020603050405020304" pitchFamily="18" charset="0"/>
-            </a:endParaRPr>
-          </a:p>
-        </p:txBody>
-      </p:sp>
-      <p:pic>
-        <p:nvPicPr>
-          <p:cNvPr id="5" name="Рисунок 4"/>
-          <p:cNvPicPr/>
-          <p:nvPr/>
-        </p:nvPicPr>
-        <p:blipFill>
-          <a:blip r:embed="rId2"/>
-          <a:stretch>
-            <a:fillRect/>
-          </a:stretch>
-        </p:blipFill>
-        <p:spPr>
-          <a:xfrm>
-            <a:off x="1757037" y="985884"/>
-            <a:ext cx="8833798" cy="6003772"/>
-          </a:xfrm>
-          <a:prstGeom prst="rect">
-            <a:avLst/>
-          </a:prstGeom>
-        </p:spPr>
-      </p:pic>
-    </p:spTree>
-    <p:extLst>
-      <p:ext uri="{BB962C8B-B14F-4D97-AF65-F5344CB8AC3E}">
-        <p14:creationId xmlns:p14="http://schemas.microsoft.com/office/powerpoint/2010/main" val="2686694623"/>
-      </p:ext>
-    </p:extLst>
-  </p:cSld>
-  <p:clrMapOvr>
-    <a:masterClrMapping/>
-  </p:clrMapOvr>
-</p:sld>
-</file>
-
-<file path=ppt/slides/slide4.xml><?xml version="1.0" encoding="utf-8"?>
-<p:sld xmlns:a="http://schemas.openxmlformats.org/drawingml/2006/main" xmlns:r="http://schemas.openxmlformats.org/officeDocument/2006/relationships" xmlns:p="http://schemas.openxmlformats.org/presentationml/2006/main">
-  <p:cSld>
-    <p:spTree>
-      <p:nvGrpSpPr>
-        <p:cNvPr id="1" name=""/>
-        <p:cNvGrpSpPr/>
-        <p:nvPr/>
-      </p:nvGrpSpPr>
-      <p:grpSpPr>
-        <a:xfrm>
-          <a:off x="0" y="0"/>
-          <a:ext cx="0" cy="0"/>
-          <a:chOff x="0" y="0"/>
-          <a:chExt cx="0" cy="0"/>
-        </a:xfrm>
-      </p:grpSpPr>
-      <p:sp>
-        <p:nvSpPr>
-          <p:cNvPr id="2" name="Заголовок 1"/>
-          <p:cNvSpPr>
-            <a:spLocks noGrp="1"/>
-          </p:cNvSpPr>
-          <p:nvPr>
-            <p:ph type="title"/>
-          </p:nvPr>
-        </p:nvSpPr>
-        <p:spPr>
-          <a:xfrm>
-            <a:off x="1108855" y="0"/>
-            <a:ext cx="10058400" cy="836141"/>
-          </a:xfrm>
-        </p:spPr>
-        <p:txBody>
-          <a:bodyPr/>
-          <a:lstStyle/>
-          <a:p>
-            <a:r>
-              <a:rPr lang="ru-RU" smtClean="0"/>
-              <a:t>Задание 1</a:t>
-            </a:r>
-            <a:endParaRPr lang="ru-RU" dirty="0"/>
-          </a:p>
-        </p:txBody>
-      </p:sp>
-      <p:sp>
-        <p:nvSpPr>
-          <p:cNvPr id="3" name="Прямоугольник 2"/>
-          <p:cNvSpPr/>
-          <p:nvPr/>
-        </p:nvSpPr>
-        <p:spPr>
-          <a:xfrm>
-            <a:off x="223391" y="582225"/>
-            <a:ext cx="11829327" cy="507831"/>
-          </a:xfrm>
-          <a:prstGeom prst="rect">
-            <a:avLst/>
-          </a:prstGeom>
-        </p:spPr>
-        <p:txBody>
-          <a:bodyPr wrap="square">
-            <a:spAutoFit/>
-          </a:bodyPr>
-          <a:lstStyle/>
-          <a:p>
-            <a:pPr lvl="0" algn="just">
-              <a:lnSpc>
-                <a:spcPct val="150000"/>
-              </a:lnSpc>
-              <a:spcAft>
-                <a:spcPts val="800"/>
-              </a:spcAft>
-            </a:pPr>
-            <a:r>
-              <a:rPr lang="ru-RU" dirty="0">
-                <a:latin typeface="Times New Roman" panose="02020603050405020304" pitchFamily="18" charset="0"/>
-                <a:ea typeface="Calibri" panose="020F0502020204030204" pitchFamily="34" charset="0"/>
-                <a:cs typeface="Times New Roman" panose="02020603050405020304" pitchFamily="18" charset="0"/>
-              </a:rPr>
-              <a:t>Используя рассмотренное программное обеспечение создать копию дизайна любой понравившейся </a:t>
-            </a:r>
-            <a:r>
-              <a:rPr lang="ru-RU" dirty="0" err="1">
-                <a:latin typeface="Times New Roman" panose="02020603050405020304" pitchFamily="18" charset="0"/>
-                <a:ea typeface="Calibri" panose="020F0502020204030204" pitchFamily="34" charset="0"/>
-                <a:cs typeface="Times New Roman" panose="02020603050405020304" pitchFamily="18" charset="0"/>
-              </a:rPr>
-              <a:t>web</a:t>
-            </a:r>
-            <a:r>
-              <a:rPr lang="ru-RU" dirty="0">
-                <a:latin typeface="Times New Roman" panose="02020603050405020304" pitchFamily="18" charset="0"/>
-                <a:ea typeface="Calibri" panose="020F0502020204030204" pitchFamily="34" charset="0"/>
-                <a:cs typeface="Times New Roman" panose="02020603050405020304" pitchFamily="18" charset="0"/>
-              </a:rPr>
-              <a:t>-страницы.</a:t>
-            </a:r>
-            <a:endParaRPr lang="ru-RU" sz="1400" dirty="0">
-              <a:effectLst/>
-              <a:latin typeface="Calibri" panose="020F0502020204030204" pitchFamily="34" charset="0"/>
-              <a:ea typeface="Calibri" panose="020F0502020204030204" pitchFamily="34" charset="0"/>
-              <a:cs typeface="Times New Roman" panose="02020603050405020304" pitchFamily="18" charset="0"/>
-            </a:endParaRPr>
-          </a:p>
-        </p:txBody>
-      </p:sp>
-      <p:pic>
-        <p:nvPicPr>
-          <p:cNvPr id="5" name="Рисунок 4"/>
-          <p:cNvPicPr/>
-          <p:nvPr/>
-        </p:nvPicPr>
-        <p:blipFill>
-          <a:blip r:embed="rId2"/>
-          <a:stretch>
-            <a:fillRect/>
-          </a:stretch>
-        </p:blipFill>
-        <p:spPr>
-          <a:xfrm>
-            <a:off x="1757037" y="985884"/>
-            <a:ext cx="8833798" cy="6003772"/>
-          </a:xfrm>
-          <a:prstGeom prst="rect">
-            <a:avLst/>
-          </a:prstGeom>
-        </p:spPr>
-      </p:pic>
-    </p:spTree>
-    <p:extLst>
-      <p:ext uri="{BB962C8B-B14F-4D97-AF65-F5344CB8AC3E}">
-        <p14:creationId xmlns:p14="http://schemas.microsoft.com/office/powerpoint/2010/main" val="450023597"/>
-      </p:ext>
-    </p:extLst>
-  </p:cSld>
-  <p:clrMapOvr>
-    <a:masterClrMapping/>
-  </p:clrMapOvr>
-</p:sld>
-</file>
-
-<file path=ppt/slides/slide5.xml><?xml version="1.0" encoding="utf-8"?>
-<p:sld xmlns:a="http://schemas.openxmlformats.org/drawingml/2006/main" xmlns:r="http://schemas.openxmlformats.org/officeDocument/2006/relationships" xmlns:p="http://schemas.openxmlformats.org/presentationml/2006/main">
-  <p:cSld>
-    <p:spTree>
-      <p:nvGrpSpPr>
-        <p:cNvPr id="1" name=""/>
-        <p:cNvGrpSpPr/>
-        <p:nvPr/>
-      </p:nvGrpSpPr>
-      <p:grpSpPr>
-        <a:xfrm>
-          <a:off x="0" y="0"/>
-          <a:ext cx="0" cy="0"/>
-          <a:chOff x="0" y="0"/>
-          <a:chExt cx="0" cy="0"/>
-        </a:xfrm>
-      </p:grpSpPr>
-      <p:sp>
-        <p:nvSpPr>
-          <p:cNvPr id="2" name="Заголовок 1"/>
-          <p:cNvSpPr>
-            <a:spLocks noGrp="1"/>
-          </p:cNvSpPr>
-          <p:nvPr>
-            <p:ph type="title"/>
-          </p:nvPr>
-        </p:nvSpPr>
-        <p:spPr>
-          <a:xfrm>
-            <a:off x="1108855" y="0"/>
-            <a:ext cx="10058400" cy="836141"/>
-          </a:xfrm>
-        </p:spPr>
-        <p:txBody>
-          <a:bodyPr/>
-          <a:lstStyle/>
-          <a:p>
-            <a:r>
               <a:rPr lang="ru-RU" dirty="0" smtClean="0"/>
               <a:t>Задание 2</a:t>
             </a:r>
@@ -6769,7 +6496,7 @@
 </p:sld>
 </file>
 
-<file path=ppt/slides/slide6.xml><?xml version="1.0" encoding="utf-8"?>
+<file path=ppt/slides/slide4.xml><?xml version="1.0" encoding="utf-8"?>
 <p:sld xmlns:a="http://schemas.openxmlformats.org/drawingml/2006/main" xmlns:r="http://schemas.openxmlformats.org/officeDocument/2006/relationships" xmlns:p="http://schemas.openxmlformats.org/presentationml/2006/main">
   <p:cSld>
     <p:spTree>

--- a/дизайн/2.pptx
+++ b/дизайн/2.pptx
@@ -617,7 +617,7 @@
           <a:p>
             <a:fld id="{B90DFD24-2ACC-49DB-8D87-02B6FEA69FAB}" type="datetimeFigureOut">
               <a:rPr lang="ru-RU" smtClean="0"/>
-              <a:t>15.12.2020</a:t>
+              <a:t>21.12.2020</a:t>
             </a:fld>
             <a:endParaRPr lang="ru-RU"/>
           </a:p>
@@ -913,7 +913,7 @@
           <a:p>
             <a:fld id="{B90DFD24-2ACC-49DB-8D87-02B6FEA69FAB}" type="datetimeFigureOut">
               <a:rPr lang="ru-RU" smtClean="0"/>
-              <a:t>15.12.2020</a:t>
+              <a:t>21.12.2020</a:t>
             </a:fld>
             <a:endParaRPr lang="ru-RU"/>
           </a:p>
@@ -1161,7 +1161,7 @@
           <a:p>
             <a:fld id="{B90DFD24-2ACC-49DB-8D87-02B6FEA69FAB}" type="datetimeFigureOut">
               <a:rPr lang="ru-RU" smtClean="0"/>
-              <a:t>15.12.2020</a:t>
+              <a:t>21.12.2020</a:t>
             </a:fld>
             <a:endParaRPr lang="ru-RU"/>
           </a:p>
@@ -1701,7 +1701,7 @@
           <a:p>
             <a:fld id="{B90DFD24-2ACC-49DB-8D87-02B6FEA69FAB}" type="datetimeFigureOut">
               <a:rPr lang="ru-RU" smtClean="0"/>
-              <a:t>15.12.2020</a:t>
+              <a:t>21.12.2020</a:t>
             </a:fld>
             <a:endParaRPr lang="ru-RU"/>
           </a:p>
@@ -1949,7 +1949,7 @@
           <a:p>
             <a:fld id="{B90DFD24-2ACC-49DB-8D87-02B6FEA69FAB}" type="datetimeFigureOut">
               <a:rPr lang="ru-RU" smtClean="0"/>
-              <a:t>15.12.2020</a:t>
+              <a:t>21.12.2020</a:t>
             </a:fld>
             <a:endParaRPr lang="ru-RU"/>
           </a:p>
@@ -2481,7 +2481,7 @@
           <a:p>
             <a:fld id="{B90DFD24-2ACC-49DB-8D87-02B6FEA69FAB}" type="datetimeFigureOut">
               <a:rPr lang="ru-RU" smtClean="0"/>
-              <a:t>15.12.2020</a:t>
+              <a:t>21.12.2020</a:t>
             </a:fld>
             <a:endParaRPr lang="ru-RU"/>
           </a:p>
@@ -2778,7 +2778,7 @@
           <a:p>
             <a:fld id="{B90DFD24-2ACC-49DB-8D87-02B6FEA69FAB}" type="datetimeFigureOut">
               <a:rPr lang="ru-RU" smtClean="0"/>
-              <a:t>15.12.2020</a:t>
+              <a:t>21.12.2020</a:t>
             </a:fld>
             <a:endParaRPr lang="ru-RU"/>
           </a:p>
@@ -2952,7 +2952,7 @@
           <a:p>
             <a:fld id="{B90DFD24-2ACC-49DB-8D87-02B6FEA69FAB}" type="datetimeFigureOut">
               <a:rPr lang="ru-RU" smtClean="0"/>
-              <a:t>15.12.2020</a:t>
+              <a:t>21.12.2020</a:t>
             </a:fld>
             <a:endParaRPr lang="ru-RU"/>
           </a:p>
@@ -3132,7 +3132,7 @@
           <a:p>
             <a:fld id="{B90DFD24-2ACC-49DB-8D87-02B6FEA69FAB}" type="datetimeFigureOut">
               <a:rPr lang="ru-RU" smtClean="0"/>
-              <a:t>15.12.2020</a:t>
+              <a:t>21.12.2020</a:t>
             </a:fld>
             <a:endParaRPr lang="ru-RU"/>
           </a:p>
@@ -3302,7 +3302,7 @@
           <a:p>
             <a:fld id="{B90DFD24-2ACC-49DB-8D87-02B6FEA69FAB}" type="datetimeFigureOut">
               <a:rPr lang="ru-RU" smtClean="0"/>
-              <a:t>15.12.2020</a:t>
+              <a:t>21.12.2020</a:t>
             </a:fld>
             <a:endParaRPr lang="ru-RU"/>
           </a:p>
@@ -3553,7 +3553,7 @@
           <a:p>
             <a:fld id="{B90DFD24-2ACC-49DB-8D87-02B6FEA69FAB}" type="datetimeFigureOut">
               <a:rPr lang="ru-RU" smtClean="0"/>
-              <a:t>15.12.2020</a:t>
+              <a:t>21.12.2020</a:t>
             </a:fld>
             <a:endParaRPr lang="ru-RU"/>
           </a:p>
@@ -3850,7 +3850,7 @@
           <a:p>
             <a:fld id="{B90DFD24-2ACC-49DB-8D87-02B6FEA69FAB}" type="datetimeFigureOut">
               <a:rPr lang="ru-RU" smtClean="0"/>
-              <a:t>15.12.2020</a:t>
+              <a:t>21.12.2020</a:t>
             </a:fld>
             <a:endParaRPr lang="ru-RU"/>
           </a:p>
@@ -4292,7 +4292,7 @@
           <a:p>
             <a:fld id="{B90DFD24-2ACC-49DB-8D87-02B6FEA69FAB}" type="datetimeFigureOut">
               <a:rPr lang="ru-RU" smtClean="0"/>
-              <a:t>15.12.2020</a:t>
+              <a:t>21.12.2020</a:t>
             </a:fld>
             <a:endParaRPr lang="ru-RU"/>
           </a:p>
@@ -4410,7 +4410,7 @@
           <a:p>
             <a:fld id="{B90DFD24-2ACC-49DB-8D87-02B6FEA69FAB}" type="datetimeFigureOut">
               <a:rPr lang="ru-RU" smtClean="0"/>
-              <a:t>15.12.2020</a:t>
+              <a:t>21.12.2020</a:t>
             </a:fld>
             <a:endParaRPr lang="ru-RU"/>
           </a:p>
@@ -4505,7 +4505,7 @@
           <a:p>
             <a:fld id="{B90DFD24-2ACC-49DB-8D87-02B6FEA69FAB}" type="datetimeFigureOut">
               <a:rPr lang="ru-RU" smtClean="0"/>
-              <a:t>15.12.2020</a:t>
+              <a:t>21.12.2020</a:t>
             </a:fld>
             <a:endParaRPr lang="ru-RU"/>
           </a:p>
@@ -4788,7 +4788,7 @@
           <a:p>
             <a:fld id="{B90DFD24-2ACC-49DB-8D87-02B6FEA69FAB}" type="datetimeFigureOut">
               <a:rPr lang="ru-RU" smtClean="0"/>
-              <a:t>15.12.2020</a:t>
+              <a:t>21.12.2020</a:t>
             </a:fld>
             <a:endParaRPr lang="ru-RU"/>
           </a:p>
@@ -5079,7 +5079,7 @@
           <a:p>
             <a:fld id="{B90DFD24-2ACC-49DB-8D87-02B6FEA69FAB}" type="datetimeFigureOut">
               <a:rPr lang="ru-RU" smtClean="0"/>
-              <a:t>15.12.2020</a:t>
+              <a:t>21.12.2020</a:t>
             </a:fld>
             <a:endParaRPr lang="ru-RU"/>
           </a:p>
@@ -5609,7 +5609,7 @@
           <a:p>
             <a:fld id="{B90DFD24-2ACC-49DB-8D87-02B6FEA69FAB}" type="datetimeFigureOut">
               <a:rPr lang="ru-RU" smtClean="0"/>
-              <a:t>15.12.2020</a:t>
+              <a:t>21.12.2020</a:t>
             </a:fld>
             <a:endParaRPr lang="ru-RU"/>
           </a:p>
@@ -6319,7 +6319,7 @@
       </p:sp>
       <p:pic>
         <p:nvPicPr>
-          <p:cNvPr id="4" name="Рисунок 3"/>
+          <p:cNvPr id="5" name="Рисунок 4"/>
           <p:cNvPicPr>
             <a:picLocks noChangeAspect="1"/>
           </p:cNvPicPr>
@@ -6333,8 +6333,8 @@
         </p:blipFill>
         <p:spPr>
           <a:xfrm>
-            <a:off x="1920303" y="836140"/>
-            <a:ext cx="8435502" cy="5583447"/>
+            <a:off x="1891408" y="1090056"/>
+            <a:ext cx="8375336" cy="5571300"/>
           </a:xfrm>
           <a:prstGeom prst="rect">
             <a:avLst/>
